--- a/presentations/Session_3_Polyglot_Persist.pptx
+++ b/presentations/Session_3_Polyglot_Persist.pptx
@@ -249,7 +249,7 @@
           <a:p>
             <a:fld id="{372E5B6B-8713-8747-AE5B-F1241B2BF5F0}" type="datetimeFigureOut">
               <a:rPr lang="en-US" smtClean="0"/>
-              <a:t>3/26/16</a:t>
+              <a:t>5/17/16</a:t>
             </a:fld>
             <a:endParaRPr lang="en-US"/>
           </a:p>
@@ -415,7 +415,7 @@
           <a:p>
             <a:fld id="{7E7B7340-DDD5-1B49-81AA-25BC4050C073}" type="datetimeFigureOut">
               <a:rPr lang="en-US" smtClean="0"/>
-              <a:t>3/26/16</a:t>
+              <a:t>5/17/16</a:t>
             </a:fld>
             <a:endParaRPr lang="en-US"/>
           </a:p>
@@ -8438,22 +8438,28 @@
       </p:sp>
       <p:pic>
         <p:nvPicPr>
-          <p:cNvPr id="7" name="Picture 6"/>
+          <p:cNvPr id="9" name="Picture 8" descr="att_logo.png"/>
           <p:cNvPicPr>
             <a:picLocks noChangeAspect="1"/>
           </p:cNvPicPr>
           <p:nvPr/>
         </p:nvPicPr>
         <p:blipFill>
-          <a:blip r:embed="rId5"/>
+          <a:blip r:embed="rId5">
+            <a:extLst>
+              <a:ext uri="{28A0092B-C50C-407E-A947-70E740481C1C}">
+                <a14:useLocalDpi xmlns:a14="http://schemas.microsoft.com/office/drawing/2010/main" val="0"/>
+              </a:ext>
+            </a:extLst>
+          </a:blip>
           <a:stretch>
             <a:fillRect/>
           </a:stretch>
         </p:blipFill>
         <p:spPr>
           <a:xfrm>
-            <a:off x="8196204" y="1558"/>
-            <a:ext cx="947796" cy="947796"/>
+            <a:off x="8027486" y="104943"/>
+            <a:ext cx="986117" cy="977900"/>
           </a:xfrm>
           <a:prstGeom prst="rect">
             <a:avLst/>
@@ -9674,12 +9680,6 @@
               </a:rPr>
               <a:t>Spring Data</a:t>
             </a:r>
-            <a:endParaRPr lang="en-US" sz="2800" dirty="0" smtClean="0">
-              <a:solidFill>
-                <a:srgbClr val="FDEADA"/>
-              </a:solidFill>
-              <a:sym typeface="Arial"/>
-            </a:endParaRPr>
           </a:p>
           <a:p>
             <a:pPr lvl="0">
@@ -9700,29 +9700,8 @@
                 </a:solidFill>
                 <a:sym typeface="Arial"/>
               </a:rPr>
-              <a:t>Spring Dat</a:t>
-            </a:r>
-            <a:r>
-              <a:rPr lang="en-US" sz="2800" dirty="0" smtClean="0">
-                <a:solidFill>
-                  <a:schemeClr val="accent6">
-                    <a:lumMod val="20000"/>
-                    <a:lumOff val="80000"/>
-                  </a:schemeClr>
-                </a:solidFill>
-                <a:sym typeface="Arial"/>
-              </a:rPr>
-              <a:t>a REST</a:t>
-            </a:r>
-            <a:endParaRPr lang="en-US" sz="2800" dirty="0" smtClean="0">
-              <a:solidFill>
-                <a:schemeClr val="accent6">
-                  <a:lumMod val="20000"/>
-                  <a:lumOff val="80000"/>
-                </a:schemeClr>
-              </a:solidFill>
-              <a:sym typeface="Arial"/>
-            </a:endParaRPr>
+              <a:t>Spring Data REST</a:t>
+            </a:r>
           </a:p>
           <a:p>
             <a:pPr lvl="0">
@@ -9996,12 +9975,6 @@
               </a:rPr>
               <a:t>&lt;Book&gt; {</a:t>
             </a:r>
-            <a:endParaRPr lang="en-US" sz="1200" b="1" dirty="0" smtClean="0">
-              <a:solidFill>
-                <a:srgbClr val="D9D9D9"/>
-              </a:solidFill>
-              <a:sym typeface="Arial"/>
-            </a:endParaRPr>
           </a:p>
           <a:p>
             <a:pPr>
@@ -10274,12 +10247,6 @@
               </a:rPr>
               <a:t>  {</a:t>
             </a:r>
-            <a:endParaRPr lang="en-US" sz="1200" b="1" dirty="0" smtClean="0">
-              <a:solidFill>
-                <a:srgbClr val="D9D9D9"/>
-              </a:solidFill>
-              <a:sym typeface="Arial"/>
-            </a:endParaRPr>
           </a:p>
           <a:p>
             <a:pPr>
@@ -10365,12 +10332,6 @@
               </a:rPr>
               <a:t>…</a:t>
             </a:r>
-            <a:endParaRPr lang="en-US" sz="1200" b="1" dirty="0" smtClean="0">
-              <a:solidFill>
-                <a:srgbClr val="D9D9D9"/>
-              </a:solidFill>
-              <a:sym typeface="Arial"/>
-            </a:endParaRPr>
           </a:p>
           <a:p>
             <a:pPr>
@@ -11087,12 +11048,6 @@
               </a:rPr>
               <a:t>Spring Data</a:t>
             </a:r>
-            <a:endParaRPr lang="en-US" sz="2800" dirty="0" smtClean="0">
-              <a:solidFill>
-                <a:schemeClr val="accent6"/>
-              </a:solidFill>
-              <a:sym typeface="Arial"/>
-            </a:endParaRPr>
           </a:p>
           <a:p>
             <a:pPr lvl="0">
@@ -11110,23 +11065,8 @@
                 </a:solidFill>
                 <a:sym typeface="Arial"/>
               </a:rPr>
-              <a:t>Spring Dat</a:t>
-            </a:r>
-            <a:r>
-              <a:rPr lang="en-US" sz="2800" dirty="0" smtClean="0">
-                <a:solidFill>
-                  <a:schemeClr val="accent6"/>
-                </a:solidFill>
-                <a:sym typeface="Arial"/>
-              </a:rPr>
-              <a:t>a REST</a:t>
-            </a:r>
-            <a:endParaRPr lang="en-US" sz="2800" dirty="0" smtClean="0">
-              <a:solidFill>
-                <a:schemeClr val="accent6"/>
-              </a:solidFill>
-              <a:sym typeface="Arial"/>
-            </a:endParaRPr>
+              <a:t>Spring Data REST</a:t>
+            </a:r>
           </a:p>
           <a:p>
             <a:pPr lvl="0">
@@ -11281,12 +11221,6 @@
               </a:rPr>
               <a:t>Spring Data</a:t>
             </a:r>
-            <a:endParaRPr lang="en-US" sz="2800" b="1" dirty="0" smtClean="0">
-              <a:solidFill>
-                <a:schemeClr val="accent6"/>
-              </a:solidFill>
-              <a:sym typeface="Arial"/>
-            </a:endParaRPr>
           </a:p>
           <a:p>
             <a:pPr lvl="0">
@@ -11307,29 +11241,8 @@
                 </a:solidFill>
                 <a:sym typeface="Arial"/>
               </a:rPr>
-              <a:t>Spring Dat</a:t>
-            </a:r>
-            <a:r>
-              <a:rPr lang="en-US" sz="2800" dirty="0" smtClean="0">
-                <a:solidFill>
-                  <a:schemeClr val="accent6">
-                    <a:lumMod val="20000"/>
-                    <a:lumOff val="80000"/>
-                  </a:schemeClr>
-                </a:solidFill>
-                <a:sym typeface="Arial"/>
-              </a:rPr>
-              <a:t>a REST</a:t>
-            </a:r>
-            <a:endParaRPr lang="en-US" sz="2800" dirty="0" smtClean="0">
-              <a:solidFill>
-                <a:schemeClr val="accent6">
-                  <a:lumMod val="20000"/>
-                  <a:lumOff val="80000"/>
-                </a:schemeClr>
-              </a:solidFill>
-              <a:sym typeface="Arial"/>
-            </a:endParaRPr>
+              <a:t>Spring Data REST</a:t>
+            </a:r>
           </a:p>
           <a:p>
             <a:pPr lvl="0">
@@ -11982,12 +11895,6 @@
               </a:rPr>
               <a:t>Neo4J</a:t>
             </a:r>
-            <a:endParaRPr lang="en-US" sz="2400" b="1" dirty="0" smtClean="0">
-              <a:solidFill>
-                <a:schemeClr val="accent6"/>
-              </a:solidFill>
-              <a:sym typeface="Arial"/>
-            </a:endParaRPr>
           </a:p>
         </p:txBody>
       </p:sp>
@@ -14300,15 +14207,6 @@
               </a:rPr>
               <a:t>Spring Data</a:t>
             </a:r>
-            <a:endParaRPr lang="en-US" sz="2800" b="1" dirty="0" smtClean="0">
-              <a:solidFill>
-                <a:schemeClr val="accent6">
-                  <a:lumMod val="20000"/>
-                  <a:lumOff val="80000"/>
-                </a:schemeClr>
-              </a:solidFill>
-              <a:sym typeface="Arial"/>
-            </a:endParaRPr>
           </a:p>
           <a:p>
             <a:pPr lvl="0">
